--- a/project_final.pptx
+++ b/project_final.pptx
@@ -20,23 +20,24 @@
     <p:sldId id="274" r:id="rId14"/>
     <p:sldId id="275" r:id="rId15"/>
     <p:sldId id="262" r:id="rId16"/>
-    <p:sldId id="263" r:id="rId17"/>
+    <p:sldId id="277" r:id="rId17"/>
+    <p:sldId id="263" r:id="rId18"/>
   </p:sldIdLst>
   <p:sldSz cx="12192000" cy="6858000"/>
   <p:notesSz cx="6858000" cy="9144000"/>
   <p:embeddedFontLst>
     <p:embeddedFont>
       <p:font typeface="나눔스퀘어_ac" panose="020B0600000101010101" pitchFamily="50" charset="-127"/>
-      <p:regular r:id="rId18"/>
+      <p:regular r:id="rId19"/>
     </p:embeddedFont>
     <p:embeddedFont>
       <p:font typeface="나눔스퀘어_ac Bold" panose="020B0600000101010101" pitchFamily="50" charset="-127"/>
-      <p:bold r:id="rId19"/>
+      <p:bold r:id="rId20"/>
     </p:embeddedFont>
     <p:embeddedFont>
       <p:font typeface="맑은 고딕" panose="020B0503020000020004" pitchFamily="50" charset="-127"/>
-      <p:regular r:id="rId20"/>
-      <p:bold r:id="rId21"/>
+      <p:regular r:id="rId21"/>
+      <p:bold r:id="rId22"/>
     </p:embeddedFont>
   </p:embeddedFontLst>
   <p:defaultTextStyle>
@@ -8334,6 +8335,932 @@
 <file path=ppt/slides/slide16.xml><?xml version="1.0" encoding="utf-8"?>
 <p:sld xmlns:a="http://schemas.openxmlformats.org/drawingml/2006/main" xmlns:r="http://schemas.openxmlformats.org/officeDocument/2006/relationships" xmlns:p="http://schemas.openxmlformats.org/presentationml/2006/main">
   <p:cSld>
+    <p:spTree>
+      <p:nvGrpSpPr>
+        <p:cNvPr id="1" name=""/>
+        <p:cNvGrpSpPr/>
+        <p:nvPr/>
+      </p:nvGrpSpPr>
+      <p:grpSpPr>
+        <a:xfrm>
+          <a:off x="0" y="0"/>
+          <a:ext cx="0" cy="0"/>
+          <a:chOff x="0" y="0"/>
+          <a:chExt cx="0" cy="0"/>
+        </a:xfrm>
+      </p:grpSpPr>
+      <p:sp>
+        <p:nvSpPr>
+          <p:cNvPr id="6" name="TextBox 5">
+            <a:extLst>
+              <a:ext uri="{FF2B5EF4-FFF2-40B4-BE49-F238E27FC236}">
+                <a16:creationId xmlns:a16="http://schemas.microsoft.com/office/drawing/2014/main" id="{B6D5EFD1-2481-4663-B4F6-93D495F0ADF7}"/>
+              </a:ext>
+            </a:extLst>
+          </p:cNvPr>
+          <p:cNvSpPr txBox="1"/>
+          <p:nvPr/>
+        </p:nvSpPr>
+        <p:spPr>
+          <a:xfrm>
+            <a:off x="334241" y="790544"/>
+            <a:ext cx="7886394" cy="523220"/>
+          </a:xfrm>
+          <a:prstGeom prst="rect">
+            <a:avLst/>
+          </a:prstGeom>
+          <a:noFill/>
+        </p:spPr>
+        <p:txBody>
+          <a:bodyPr wrap="square" rtlCol="0" anchor="ctr">
+            <a:spAutoFit/>
+          </a:bodyPr>
+          <a:lstStyle/>
+          <a:p>
+            <a:r>
+              <a:rPr lang="ko-KR" altLang="en-US" sz="2800" dirty="0">
+                <a:latin typeface="나눔스퀘어_ac" panose="020B0600000101010101" pitchFamily="50" charset="-127"/>
+                <a:ea typeface="나눔스퀘어_ac" panose="020B0600000101010101" pitchFamily="50" charset="-127"/>
+              </a:rPr>
+              <a:t>주성분 개수를 변경해 성능 평가</a:t>
+            </a:r>
+          </a:p>
+        </p:txBody>
+      </p:sp>
+      <p:sp>
+        <p:nvSpPr>
+          <p:cNvPr id="38" name="TextBox 37">
+            <a:extLst>
+              <a:ext uri="{FF2B5EF4-FFF2-40B4-BE49-F238E27FC236}">
+                <a16:creationId xmlns:a16="http://schemas.microsoft.com/office/drawing/2014/main" id="{661B3F86-F13A-4846-8D1F-31618465779F}"/>
+              </a:ext>
+            </a:extLst>
+          </p:cNvPr>
+          <p:cNvSpPr txBox="1"/>
+          <p:nvPr/>
+        </p:nvSpPr>
+        <p:spPr>
+          <a:xfrm>
+            <a:off x="579176" y="5910710"/>
+            <a:ext cx="2873097" cy="507831"/>
+          </a:xfrm>
+          <a:prstGeom prst="rect">
+            <a:avLst/>
+          </a:prstGeom>
+          <a:noFill/>
+        </p:spPr>
+        <p:txBody>
+          <a:bodyPr wrap="square" rtlCol="0" anchor="ctr">
+            <a:spAutoFit/>
+          </a:bodyPr>
+          <a:lstStyle/>
+          <a:p>
+            <a:r>
+              <a:rPr lang="en-US" altLang="ko-KR" sz="900" dirty="0">
+                <a:solidFill>
+                  <a:schemeClr val="bg1">
+                    <a:lumMod val="65000"/>
+                  </a:schemeClr>
+                </a:solidFill>
+                <a:latin typeface="나눔스퀘어_ac" panose="020B0600000101010101" pitchFamily="50" charset="-127"/>
+                <a:ea typeface="나눔스퀘어_ac" panose="020B0600000101010101" pitchFamily="50" charset="-127"/>
+              </a:rPr>
+              <a:t>Specificity: </a:t>
+            </a:r>
+            <a:r>
+              <a:rPr lang="ko-KR" altLang="en-US" sz="900" dirty="0">
+                <a:solidFill>
+                  <a:schemeClr val="bg1">
+                    <a:lumMod val="65000"/>
+                  </a:schemeClr>
+                </a:solidFill>
+                <a:latin typeface="나눔스퀘어_ac" panose="020B0600000101010101" pitchFamily="50" charset="-127"/>
+                <a:ea typeface="나눔스퀘어_ac" panose="020B0600000101010101" pitchFamily="50" charset="-127"/>
+              </a:rPr>
+              <a:t>실제 </a:t>
+            </a:r>
+            <a:r>
+              <a:rPr lang="en-US" altLang="ko-KR" sz="900" dirty="0">
+                <a:solidFill>
+                  <a:schemeClr val="bg1">
+                    <a:lumMod val="65000"/>
+                  </a:schemeClr>
+                </a:solidFill>
+                <a:latin typeface="나눔스퀘어_ac" panose="020B0600000101010101" pitchFamily="50" charset="-127"/>
+                <a:ea typeface="나눔스퀘어_ac" panose="020B0600000101010101" pitchFamily="50" charset="-127"/>
+              </a:rPr>
+              <a:t>Normal</a:t>
+            </a:r>
+            <a:r>
+              <a:rPr lang="ko-KR" altLang="en-US" sz="900" dirty="0">
+                <a:solidFill>
+                  <a:schemeClr val="bg1">
+                    <a:lumMod val="65000"/>
+                  </a:schemeClr>
+                </a:solidFill>
+                <a:latin typeface="나눔스퀘어_ac" panose="020B0600000101010101" pitchFamily="50" charset="-127"/>
+                <a:ea typeface="나눔스퀘어_ac" panose="020B0600000101010101" pitchFamily="50" charset="-127"/>
+              </a:rPr>
+              <a:t>에 대해 </a:t>
+            </a:r>
+            <a:r>
+              <a:rPr lang="en-US" altLang="ko-KR" sz="900" dirty="0">
+                <a:solidFill>
+                  <a:schemeClr val="bg1">
+                    <a:lumMod val="65000"/>
+                  </a:schemeClr>
+                </a:solidFill>
+                <a:latin typeface="나눔스퀘어_ac" panose="020B0600000101010101" pitchFamily="50" charset="-127"/>
+                <a:ea typeface="나눔스퀘어_ac" panose="020B0600000101010101" pitchFamily="50" charset="-127"/>
+              </a:rPr>
+              <a:t>Normal</a:t>
+            </a:r>
+            <a:r>
+              <a:rPr lang="ko-KR" altLang="en-US" sz="900" dirty="0">
+                <a:solidFill>
+                  <a:schemeClr val="bg1">
+                    <a:lumMod val="65000"/>
+                  </a:schemeClr>
+                </a:solidFill>
+                <a:latin typeface="나눔스퀘어_ac" panose="020B0600000101010101" pitchFamily="50" charset="-127"/>
+                <a:ea typeface="나눔스퀘어_ac" panose="020B0600000101010101" pitchFamily="50" charset="-127"/>
+              </a:rPr>
+              <a:t>로 예측한 확률</a:t>
+            </a:r>
+            <a:endParaRPr lang="en-US" altLang="ko-KR" sz="900" dirty="0">
+              <a:solidFill>
+                <a:schemeClr val="bg1">
+                  <a:lumMod val="65000"/>
+                </a:schemeClr>
+              </a:solidFill>
+              <a:latin typeface="나눔스퀘어_ac" panose="020B0600000101010101" pitchFamily="50" charset="-127"/>
+              <a:ea typeface="나눔스퀘어_ac" panose="020B0600000101010101" pitchFamily="50" charset="-127"/>
+            </a:endParaRPr>
+          </a:p>
+          <a:p>
+            <a:r>
+              <a:rPr lang="en-US" altLang="ko-KR" sz="900" dirty="0">
+                <a:solidFill>
+                  <a:schemeClr val="bg1">
+                    <a:lumMod val="65000"/>
+                  </a:schemeClr>
+                </a:solidFill>
+                <a:latin typeface="나눔스퀘어_ac" panose="020B0600000101010101" pitchFamily="50" charset="-127"/>
+                <a:ea typeface="나눔스퀘어_ac" panose="020B0600000101010101" pitchFamily="50" charset="-127"/>
+              </a:rPr>
+              <a:t>Precision: Tumor</a:t>
+            </a:r>
+            <a:r>
+              <a:rPr lang="ko-KR" altLang="en-US" sz="900" dirty="0">
+                <a:solidFill>
+                  <a:schemeClr val="bg1">
+                    <a:lumMod val="65000"/>
+                  </a:schemeClr>
+                </a:solidFill>
+                <a:latin typeface="나눔스퀘어_ac" panose="020B0600000101010101" pitchFamily="50" charset="-127"/>
+                <a:ea typeface="나눔스퀘어_ac" panose="020B0600000101010101" pitchFamily="50" charset="-127"/>
+              </a:rPr>
+              <a:t>로 예측한 것 중 실제 </a:t>
+            </a:r>
+            <a:r>
+              <a:rPr lang="en-US" altLang="ko-KR" sz="900" dirty="0">
+                <a:solidFill>
+                  <a:schemeClr val="bg1">
+                    <a:lumMod val="65000"/>
+                  </a:schemeClr>
+                </a:solidFill>
+                <a:latin typeface="나눔스퀘어_ac" panose="020B0600000101010101" pitchFamily="50" charset="-127"/>
+                <a:ea typeface="나눔스퀘어_ac" panose="020B0600000101010101" pitchFamily="50" charset="-127"/>
+              </a:rPr>
+              <a:t>Tumor</a:t>
+            </a:r>
+            <a:r>
+              <a:rPr lang="ko-KR" altLang="en-US" sz="900" dirty="0">
+                <a:solidFill>
+                  <a:schemeClr val="bg1">
+                    <a:lumMod val="65000"/>
+                  </a:schemeClr>
+                </a:solidFill>
+                <a:latin typeface="나눔스퀘어_ac" panose="020B0600000101010101" pitchFamily="50" charset="-127"/>
+                <a:ea typeface="나눔스퀘어_ac" panose="020B0600000101010101" pitchFamily="50" charset="-127"/>
+              </a:rPr>
+              <a:t>인 확률</a:t>
+            </a:r>
+            <a:endParaRPr lang="en-US" altLang="ko-KR" sz="900" dirty="0">
+              <a:solidFill>
+                <a:schemeClr val="bg1">
+                  <a:lumMod val="65000"/>
+                </a:schemeClr>
+              </a:solidFill>
+              <a:latin typeface="나눔스퀘어_ac" panose="020B0600000101010101" pitchFamily="50" charset="-127"/>
+              <a:ea typeface="나눔스퀘어_ac" panose="020B0600000101010101" pitchFamily="50" charset="-127"/>
+            </a:endParaRPr>
+          </a:p>
+          <a:p>
+            <a:r>
+              <a:rPr lang="en-US" altLang="ko-KR" sz="900" dirty="0">
+                <a:solidFill>
+                  <a:schemeClr val="bg1">
+                    <a:lumMod val="65000"/>
+                  </a:schemeClr>
+                </a:solidFill>
+                <a:latin typeface="나눔스퀘어_ac" panose="020B0600000101010101" pitchFamily="50" charset="-127"/>
+                <a:ea typeface="나눔스퀘어_ac" panose="020B0600000101010101" pitchFamily="50" charset="-127"/>
+              </a:rPr>
+              <a:t>Recall:</a:t>
+            </a:r>
+            <a:r>
+              <a:rPr lang="ko-KR" altLang="en-US" sz="900" dirty="0">
+                <a:solidFill>
+                  <a:schemeClr val="bg1">
+                    <a:lumMod val="65000"/>
+                  </a:schemeClr>
+                </a:solidFill>
+                <a:latin typeface="나눔스퀘어_ac" panose="020B0600000101010101" pitchFamily="50" charset="-127"/>
+                <a:ea typeface="나눔스퀘어_ac" panose="020B0600000101010101" pitchFamily="50" charset="-127"/>
+              </a:rPr>
+              <a:t> 실제 </a:t>
+            </a:r>
+            <a:r>
+              <a:rPr lang="en-US" altLang="ko-KR" sz="900" dirty="0">
+                <a:solidFill>
+                  <a:schemeClr val="bg1">
+                    <a:lumMod val="65000"/>
+                  </a:schemeClr>
+                </a:solidFill>
+                <a:latin typeface="나눔스퀘어_ac" panose="020B0600000101010101" pitchFamily="50" charset="-127"/>
+                <a:ea typeface="나눔스퀘어_ac" panose="020B0600000101010101" pitchFamily="50" charset="-127"/>
+              </a:rPr>
+              <a:t>Tumor </a:t>
+            </a:r>
+            <a:r>
+              <a:rPr lang="ko-KR" altLang="en-US" sz="900" dirty="0">
+                <a:solidFill>
+                  <a:schemeClr val="bg1">
+                    <a:lumMod val="65000"/>
+                  </a:schemeClr>
+                </a:solidFill>
+                <a:latin typeface="나눔스퀘어_ac" panose="020B0600000101010101" pitchFamily="50" charset="-127"/>
+                <a:ea typeface="나눔스퀘어_ac" panose="020B0600000101010101" pitchFamily="50" charset="-127"/>
+              </a:rPr>
+              <a:t>중 </a:t>
+            </a:r>
+            <a:r>
+              <a:rPr lang="en-US" altLang="ko-KR" sz="900" dirty="0">
+                <a:solidFill>
+                  <a:schemeClr val="bg1">
+                    <a:lumMod val="65000"/>
+                  </a:schemeClr>
+                </a:solidFill>
+                <a:latin typeface="나눔스퀘어_ac" panose="020B0600000101010101" pitchFamily="50" charset="-127"/>
+                <a:ea typeface="나눔스퀘어_ac" panose="020B0600000101010101" pitchFamily="50" charset="-127"/>
+              </a:rPr>
+              <a:t>Tumor</a:t>
+            </a:r>
+            <a:r>
+              <a:rPr lang="ko-KR" altLang="en-US" sz="900" dirty="0">
+                <a:solidFill>
+                  <a:schemeClr val="bg1">
+                    <a:lumMod val="65000"/>
+                  </a:schemeClr>
+                </a:solidFill>
+                <a:latin typeface="나눔스퀘어_ac" panose="020B0600000101010101" pitchFamily="50" charset="-127"/>
+                <a:ea typeface="나눔스퀘어_ac" panose="020B0600000101010101" pitchFamily="50" charset="-127"/>
+              </a:rPr>
+              <a:t>로 예측한 확률</a:t>
+            </a:r>
+          </a:p>
+        </p:txBody>
+      </p:sp>
+      <p:grpSp>
+        <p:nvGrpSpPr>
+          <p:cNvPr id="14" name="그룹 13">
+            <a:extLst>
+              <a:ext uri="{FF2B5EF4-FFF2-40B4-BE49-F238E27FC236}">
+                <a16:creationId xmlns:a16="http://schemas.microsoft.com/office/drawing/2014/main" id="{271FD7DC-5B93-4B73-BDF9-85BD47C7DC03}"/>
+              </a:ext>
+            </a:extLst>
+          </p:cNvPr>
+          <p:cNvGrpSpPr/>
+          <p:nvPr/>
+        </p:nvGrpSpPr>
+        <p:grpSpPr>
+          <a:xfrm>
+            <a:off x="0" y="-1"/>
+            <a:ext cx="12192000" cy="514351"/>
+            <a:chOff x="0" y="-1"/>
+            <a:chExt cx="12192000" cy="514351"/>
+          </a:xfrm>
+        </p:grpSpPr>
+        <p:sp>
+          <p:nvSpPr>
+            <p:cNvPr id="15" name="직사각형 14">
+              <a:extLst>
+                <a:ext uri="{FF2B5EF4-FFF2-40B4-BE49-F238E27FC236}">
+                  <a16:creationId xmlns:a16="http://schemas.microsoft.com/office/drawing/2014/main" id="{36738088-189D-4F63-ABEE-6D412D9EC42D}"/>
+                </a:ext>
+              </a:extLst>
+            </p:cNvPr>
+            <p:cNvSpPr/>
+            <p:nvPr/>
+          </p:nvSpPr>
+          <p:spPr>
+            <a:xfrm>
+              <a:off x="0" y="-1"/>
+              <a:ext cx="12192000" cy="514351"/>
+            </a:xfrm>
+            <a:prstGeom prst="rect">
+              <a:avLst/>
+            </a:prstGeom>
+            <a:solidFill>
+              <a:schemeClr val="accent1">
+                <a:lumMod val="50000"/>
+              </a:schemeClr>
+            </a:solidFill>
+            <a:ln>
+              <a:noFill/>
+            </a:ln>
+          </p:spPr>
+          <p:style>
+            <a:lnRef idx="2">
+              <a:schemeClr val="accent1">
+                <a:shade val="50000"/>
+              </a:schemeClr>
+            </a:lnRef>
+            <a:fillRef idx="1">
+              <a:schemeClr val="accent1"/>
+            </a:fillRef>
+            <a:effectRef idx="0">
+              <a:schemeClr val="accent1"/>
+            </a:effectRef>
+            <a:fontRef idx="minor">
+              <a:schemeClr val="lt1"/>
+            </a:fontRef>
+          </p:style>
+          <p:txBody>
+            <a:bodyPr rtlCol="0" anchor="ctr"/>
+            <a:lstStyle/>
+            <a:p>
+              <a:pPr algn="ctr"/>
+              <a:endParaRPr lang="ko-KR" altLang="en-US" dirty="0">
+                <a:latin typeface="나눔스퀘어_ac" panose="020B0600000101010101" pitchFamily="50" charset="-127"/>
+                <a:ea typeface="나눔스퀘어_ac" panose="020B0600000101010101" pitchFamily="50" charset="-127"/>
+              </a:endParaRPr>
+            </a:p>
+          </p:txBody>
+        </p:sp>
+        <p:grpSp>
+          <p:nvGrpSpPr>
+            <p:cNvPr id="16" name="그룹 15">
+              <a:extLst>
+                <a:ext uri="{FF2B5EF4-FFF2-40B4-BE49-F238E27FC236}">
+                  <a16:creationId xmlns:a16="http://schemas.microsoft.com/office/drawing/2014/main" id="{1BB6939D-2C61-47CF-AAE4-D73E2C2F183F}"/>
+                </a:ext>
+              </a:extLst>
+            </p:cNvPr>
+            <p:cNvGrpSpPr/>
+            <p:nvPr/>
+          </p:nvGrpSpPr>
+          <p:grpSpPr>
+            <a:xfrm>
+              <a:off x="579176" y="63389"/>
+              <a:ext cx="11033648" cy="400110"/>
+              <a:chOff x="630195" y="63389"/>
+              <a:chExt cx="11033648" cy="400110"/>
+            </a:xfrm>
+          </p:grpSpPr>
+          <p:sp>
+            <p:nvSpPr>
+              <p:cNvPr id="17" name="TextBox 16">
+                <a:extLst>
+                  <a:ext uri="{FF2B5EF4-FFF2-40B4-BE49-F238E27FC236}">
+                    <a16:creationId xmlns:a16="http://schemas.microsoft.com/office/drawing/2014/main" id="{E4B3697B-6688-42CE-BBBE-1F930A09C7D1}"/>
+                  </a:ext>
+                </a:extLst>
+              </p:cNvPr>
+              <p:cNvSpPr txBox="1"/>
+              <p:nvPr/>
+            </p:nvSpPr>
+            <p:spPr>
+              <a:xfrm>
+                <a:off x="10219038" y="63389"/>
+                <a:ext cx="1444805" cy="400110"/>
+              </a:xfrm>
+              <a:prstGeom prst="rect">
+                <a:avLst/>
+              </a:prstGeom>
+              <a:noFill/>
+            </p:spPr>
+            <p:txBody>
+              <a:bodyPr wrap="square" rtlCol="0" anchor="ctr">
+                <a:spAutoFit/>
+              </a:bodyPr>
+              <a:lstStyle/>
+              <a:p>
+                <a:pPr algn="ctr"/>
+                <a:r>
+                  <a:rPr lang="en-US" altLang="ko-KR" sz="2000" dirty="0">
+                    <a:solidFill>
+                      <a:schemeClr val="bg1"/>
+                    </a:solidFill>
+                    <a:latin typeface="나눔스퀘어_ac" panose="020B0600000101010101" pitchFamily="50" charset="-127"/>
+                    <a:ea typeface="나눔스퀘어_ac" panose="020B0600000101010101" pitchFamily="50" charset="-127"/>
+                  </a:rPr>
+                  <a:t>05 </a:t>
+                </a:r>
+                <a:r>
+                  <a:rPr lang="ko-KR" altLang="en-US" sz="2000" dirty="0">
+                    <a:solidFill>
+                      <a:schemeClr val="bg1"/>
+                    </a:solidFill>
+                    <a:latin typeface="나눔스퀘어_ac" panose="020B0600000101010101" pitchFamily="50" charset="-127"/>
+                    <a:ea typeface="나눔스퀘어_ac" panose="020B0600000101010101" pitchFamily="50" charset="-127"/>
+                  </a:rPr>
+                  <a:t>성능평가</a:t>
+                </a:r>
+              </a:p>
+            </p:txBody>
+          </p:sp>
+          <p:sp>
+            <p:nvSpPr>
+              <p:cNvPr id="18" name="TextBox 17">
+                <a:extLst>
+                  <a:ext uri="{FF2B5EF4-FFF2-40B4-BE49-F238E27FC236}">
+                    <a16:creationId xmlns:a16="http://schemas.microsoft.com/office/drawing/2014/main" id="{33C9E811-3A13-4280-BE28-A0F6CB65E314}"/>
+                  </a:ext>
+                </a:extLst>
+              </p:cNvPr>
+              <p:cNvSpPr txBox="1"/>
+              <p:nvPr/>
+            </p:nvSpPr>
+            <p:spPr>
+              <a:xfrm>
+                <a:off x="7821237" y="63389"/>
+                <a:ext cx="1549615" cy="400110"/>
+              </a:xfrm>
+              <a:prstGeom prst="rect">
+                <a:avLst/>
+              </a:prstGeom>
+              <a:noFill/>
+            </p:spPr>
+            <p:txBody>
+              <a:bodyPr wrap="square" rtlCol="0" anchor="ctr">
+                <a:spAutoFit/>
+              </a:bodyPr>
+              <a:lstStyle/>
+              <a:p>
+                <a:pPr algn="ctr"/>
+                <a:r>
+                  <a:rPr lang="en-US" altLang="ko-KR" sz="2000" dirty="0">
+                    <a:solidFill>
+                      <a:schemeClr val="bg1">
+                        <a:lumMod val="50000"/>
+                      </a:schemeClr>
+                    </a:solidFill>
+                    <a:latin typeface="나눔스퀘어_ac" panose="020B0600000101010101" pitchFamily="50" charset="-127"/>
+                    <a:ea typeface="나눔스퀘어_ac" panose="020B0600000101010101" pitchFamily="50" charset="-127"/>
+                  </a:rPr>
+                  <a:t>04 </a:t>
+                </a:r>
+                <a:r>
+                  <a:rPr lang="ko-KR" altLang="en-US" sz="2000" dirty="0">
+                    <a:solidFill>
+                      <a:schemeClr val="bg1">
+                        <a:lumMod val="50000"/>
+                      </a:schemeClr>
+                    </a:solidFill>
+                    <a:latin typeface="나눔스퀘어_ac" panose="020B0600000101010101" pitchFamily="50" charset="-127"/>
+                    <a:ea typeface="나눔스퀘어_ac" panose="020B0600000101010101" pitchFamily="50" charset="-127"/>
+                  </a:rPr>
+                  <a:t>모델 학습</a:t>
+                </a:r>
+              </a:p>
+            </p:txBody>
+          </p:sp>
+          <p:sp>
+            <p:nvSpPr>
+              <p:cNvPr id="19" name="TextBox 18">
+                <a:extLst>
+                  <a:ext uri="{FF2B5EF4-FFF2-40B4-BE49-F238E27FC236}">
+                    <a16:creationId xmlns:a16="http://schemas.microsoft.com/office/drawing/2014/main" id="{A4DC9C73-EB15-48A7-81F6-11E1EAB4BA41}"/>
+                  </a:ext>
+                </a:extLst>
+              </p:cNvPr>
+              <p:cNvSpPr txBox="1"/>
+              <p:nvPr/>
+            </p:nvSpPr>
+            <p:spPr>
+              <a:xfrm>
+                <a:off x="5022063" y="63389"/>
+                <a:ext cx="1950987" cy="400110"/>
+              </a:xfrm>
+              <a:prstGeom prst="rect">
+                <a:avLst/>
+              </a:prstGeom>
+              <a:noFill/>
+            </p:spPr>
+            <p:txBody>
+              <a:bodyPr wrap="square" rtlCol="0" anchor="ctr">
+                <a:spAutoFit/>
+              </a:bodyPr>
+              <a:lstStyle/>
+              <a:p>
+                <a:pPr algn="ctr"/>
+                <a:r>
+                  <a:rPr lang="en-US" altLang="ko-KR" sz="2000" dirty="0">
+                    <a:solidFill>
+                      <a:schemeClr val="bg1">
+                        <a:lumMod val="50000"/>
+                      </a:schemeClr>
+                    </a:solidFill>
+                    <a:latin typeface="나눔스퀘어_ac" panose="020B0600000101010101" pitchFamily="50" charset="-127"/>
+                    <a:ea typeface="나눔스퀘어_ac" panose="020B0600000101010101" pitchFamily="50" charset="-127"/>
+                  </a:rPr>
+                  <a:t>03 </a:t>
+                </a:r>
+                <a:r>
+                  <a:rPr lang="ko-KR" altLang="en-US" sz="2000" dirty="0">
+                    <a:solidFill>
+                      <a:schemeClr val="bg1">
+                        <a:lumMod val="50000"/>
+                      </a:schemeClr>
+                    </a:solidFill>
+                    <a:latin typeface="나눔스퀘어_ac" panose="020B0600000101010101" pitchFamily="50" charset="-127"/>
+                    <a:ea typeface="나눔스퀘어_ac" panose="020B0600000101010101" pitchFamily="50" charset="-127"/>
+                  </a:rPr>
+                  <a:t>데이터 </a:t>
+                </a:r>
+                <a:r>
+                  <a:rPr lang="ko-KR" altLang="en-US" sz="2000" dirty="0" err="1">
+                    <a:solidFill>
+                      <a:schemeClr val="bg1">
+                        <a:lumMod val="50000"/>
+                      </a:schemeClr>
+                    </a:solidFill>
+                    <a:latin typeface="나눔스퀘어_ac" panose="020B0600000101010101" pitchFamily="50" charset="-127"/>
+                    <a:ea typeface="나눔스퀘어_ac" panose="020B0600000101010101" pitchFamily="50" charset="-127"/>
+                  </a:rPr>
+                  <a:t>전처리</a:t>
+                </a:r>
+                <a:endParaRPr lang="ko-KR" altLang="en-US" sz="2000" dirty="0">
+                  <a:solidFill>
+                    <a:schemeClr val="bg1">
+                      <a:lumMod val="50000"/>
+                    </a:schemeClr>
+                  </a:solidFill>
+                  <a:latin typeface="나눔스퀘어_ac" panose="020B0600000101010101" pitchFamily="50" charset="-127"/>
+                  <a:ea typeface="나눔스퀘어_ac" panose="020B0600000101010101" pitchFamily="50" charset="-127"/>
+                </a:endParaRPr>
+              </a:p>
+            </p:txBody>
+          </p:sp>
+          <p:sp>
+            <p:nvSpPr>
+              <p:cNvPr id="20" name="TextBox 19">
+                <a:extLst>
+                  <a:ext uri="{FF2B5EF4-FFF2-40B4-BE49-F238E27FC236}">
+                    <a16:creationId xmlns:a16="http://schemas.microsoft.com/office/drawing/2014/main" id="{37277F47-978C-4BD0-8363-36378E2766A7}"/>
+                  </a:ext>
+                </a:extLst>
+              </p:cNvPr>
+              <p:cNvSpPr txBox="1"/>
+              <p:nvPr/>
+            </p:nvSpPr>
+            <p:spPr>
+              <a:xfrm>
+                <a:off x="630195" y="63389"/>
+                <a:ext cx="1518056" cy="400110"/>
+              </a:xfrm>
+              <a:prstGeom prst="rect">
+                <a:avLst/>
+              </a:prstGeom>
+              <a:noFill/>
+            </p:spPr>
+            <p:txBody>
+              <a:bodyPr wrap="square" rtlCol="0" anchor="ctr">
+                <a:spAutoFit/>
+              </a:bodyPr>
+              <a:lstStyle/>
+              <a:p>
+                <a:pPr algn="ctr"/>
+                <a:r>
+                  <a:rPr lang="en-US" altLang="ko-KR" sz="2000" dirty="0">
+                    <a:solidFill>
+                      <a:schemeClr val="bg1">
+                        <a:lumMod val="50000"/>
+                      </a:schemeClr>
+                    </a:solidFill>
+                    <a:latin typeface="나눔스퀘어_ac" panose="020B0600000101010101" pitchFamily="50" charset="-127"/>
+                    <a:ea typeface="나눔스퀘어_ac" panose="020B0600000101010101" pitchFamily="50" charset="-127"/>
+                  </a:rPr>
+                  <a:t>01 </a:t>
+                </a:r>
+                <a:r>
+                  <a:rPr lang="ko-KR" altLang="en-US" sz="2000" dirty="0">
+                    <a:solidFill>
+                      <a:schemeClr val="bg1">
+                        <a:lumMod val="50000"/>
+                      </a:schemeClr>
+                    </a:solidFill>
+                    <a:latin typeface="나눔스퀘어_ac" panose="020B0600000101010101" pitchFamily="50" charset="-127"/>
+                    <a:ea typeface="나눔스퀘어_ac" panose="020B0600000101010101" pitchFamily="50" charset="-127"/>
+                  </a:rPr>
+                  <a:t>문제 정의</a:t>
+                </a:r>
+              </a:p>
+            </p:txBody>
+          </p:sp>
+          <p:sp>
+            <p:nvSpPr>
+              <p:cNvPr id="21" name="TextBox 20">
+                <a:extLst>
+                  <a:ext uri="{FF2B5EF4-FFF2-40B4-BE49-F238E27FC236}">
+                    <a16:creationId xmlns:a16="http://schemas.microsoft.com/office/drawing/2014/main" id="{27B4C939-ED3A-4559-896F-959059B2EF0E}"/>
+                  </a:ext>
+                </a:extLst>
+              </p:cNvPr>
+              <p:cNvSpPr txBox="1"/>
+              <p:nvPr/>
+            </p:nvSpPr>
+            <p:spPr>
+              <a:xfrm>
+                <a:off x="2996438" y="63389"/>
+                <a:ext cx="1177438" cy="400110"/>
+              </a:xfrm>
+              <a:prstGeom prst="rect">
+                <a:avLst/>
+              </a:prstGeom>
+              <a:noFill/>
+            </p:spPr>
+            <p:txBody>
+              <a:bodyPr wrap="square" rtlCol="0" anchor="ctr">
+                <a:spAutoFit/>
+              </a:bodyPr>
+              <a:lstStyle/>
+              <a:p>
+                <a:pPr algn="ctr"/>
+                <a:r>
+                  <a:rPr lang="en-US" altLang="ko-KR" sz="2000" dirty="0">
+                    <a:solidFill>
+                      <a:schemeClr val="bg1">
+                        <a:lumMod val="50000"/>
+                      </a:schemeClr>
+                    </a:solidFill>
+                    <a:latin typeface="나눔스퀘어_ac" panose="020B0600000101010101" pitchFamily="50" charset="-127"/>
+                    <a:ea typeface="나눔스퀘어_ac" panose="020B0600000101010101" pitchFamily="50" charset="-127"/>
+                  </a:rPr>
+                  <a:t>02 EDA</a:t>
+                </a:r>
+                <a:endParaRPr lang="ko-KR" altLang="en-US" sz="2000" dirty="0">
+                  <a:solidFill>
+                    <a:schemeClr val="bg1">
+                      <a:lumMod val="50000"/>
+                    </a:schemeClr>
+                  </a:solidFill>
+                  <a:latin typeface="나눔스퀘어_ac" panose="020B0600000101010101" pitchFamily="50" charset="-127"/>
+                  <a:ea typeface="나눔스퀘어_ac" panose="020B0600000101010101" pitchFamily="50" charset="-127"/>
+                </a:endParaRPr>
+              </a:p>
+            </p:txBody>
+          </p:sp>
+        </p:grpSp>
+      </p:grpSp>
+      <p:pic>
+        <p:nvPicPr>
+          <p:cNvPr id="2" name="그림 1">
+            <a:extLst>
+              <a:ext uri="{FF2B5EF4-FFF2-40B4-BE49-F238E27FC236}">
+                <a16:creationId xmlns:a16="http://schemas.microsoft.com/office/drawing/2014/main" id="{749AAE14-9148-4F0B-9F9E-3DA8B71571D9}"/>
+              </a:ext>
+            </a:extLst>
+          </p:cNvPr>
+          <p:cNvPicPr>
+            <a:picLocks noChangeAspect="1"/>
+          </p:cNvPicPr>
+          <p:nvPr/>
+        </p:nvPicPr>
+        <p:blipFill>
+          <a:blip r:embed="rId2"/>
+          <a:stretch>
+            <a:fillRect/>
+          </a:stretch>
+        </p:blipFill>
+        <p:spPr>
+          <a:xfrm>
+            <a:off x="869781" y="2545977"/>
+            <a:ext cx="4659349" cy="3024376"/>
+          </a:xfrm>
+          <a:prstGeom prst="rect">
+            <a:avLst/>
+          </a:prstGeom>
+        </p:spPr>
+      </p:pic>
+      <p:sp>
+        <p:nvSpPr>
+          <p:cNvPr id="3" name="직사각형 2">
+            <a:extLst>
+              <a:ext uri="{FF2B5EF4-FFF2-40B4-BE49-F238E27FC236}">
+                <a16:creationId xmlns:a16="http://schemas.microsoft.com/office/drawing/2014/main" id="{53ECF34D-552C-4BD8-8A5D-6152A64F6BD5}"/>
+              </a:ext>
+            </a:extLst>
+          </p:cNvPr>
+          <p:cNvSpPr/>
+          <p:nvPr/>
+        </p:nvSpPr>
+        <p:spPr>
+          <a:xfrm>
+            <a:off x="767434" y="1790424"/>
+            <a:ext cx="2573140" cy="369332"/>
+          </a:xfrm>
+          <a:prstGeom prst="rect">
+            <a:avLst/>
+          </a:prstGeom>
+        </p:spPr>
+        <p:txBody>
+          <a:bodyPr wrap="none">
+            <a:spAutoFit/>
+          </a:bodyPr>
+          <a:lstStyle/>
+          <a:p>
+            <a:r>
+              <a:rPr lang="en-US" altLang="ko-KR" dirty="0">
+                <a:latin typeface="나눔스퀘어_ac" panose="020B0600000101010101" pitchFamily="50" charset="-127"/>
+                <a:ea typeface="나눔스퀘어_ac" panose="020B0600000101010101" pitchFamily="50" charset="-127"/>
+              </a:rPr>
+              <a:t>20</a:t>
+            </a:r>
+            <a:r>
+              <a:rPr lang="ko-KR" altLang="en-US" dirty="0">
+                <a:latin typeface="나눔스퀘어_ac" panose="020B0600000101010101" pitchFamily="50" charset="-127"/>
+                <a:ea typeface="나눔스퀘어_ac" panose="020B0600000101010101" pitchFamily="50" charset="-127"/>
+              </a:rPr>
+              <a:t>개의 주성분</a:t>
+            </a:r>
+            <a:r>
+              <a:rPr lang="en-US" altLang="ko-KR" sz="1050" dirty="0">
+                <a:latin typeface="나눔스퀘어_ac" panose="020B0600000101010101" pitchFamily="50" charset="-127"/>
+                <a:ea typeface="나눔스퀘어_ac" panose="020B0600000101010101" pitchFamily="50" charset="-127"/>
+              </a:rPr>
+              <a:t>(</a:t>
+            </a:r>
+            <a:r>
+              <a:rPr lang="ko-KR" altLang="en-US" sz="1050" dirty="0">
+                <a:latin typeface="나눔스퀘어_ac" panose="020B0600000101010101" pitchFamily="50" charset="-127"/>
+                <a:ea typeface="나눔스퀘어_ac" panose="020B0600000101010101" pitchFamily="50" charset="-127"/>
+              </a:rPr>
+              <a:t>전체의 </a:t>
+            </a:r>
+            <a:r>
+              <a:rPr lang="en-US" altLang="ko-KR" sz="1050" dirty="0">
+                <a:latin typeface="나눔스퀘어_ac" panose="020B0600000101010101" pitchFamily="50" charset="-127"/>
+                <a:ea typeface="나눔스퀘어_ac" panose="020B0600000101010101" pitchFamily="50" charset="-127"/>
+              </a:rPr>
+              <a:t>48% </a:t>
+            </a:r>
+            <a:r>
+              <a:rPr lang="ko-KR" altLang="en-US" sz="1050" dirty="0">
+                <a:latin typeface="나눔스퀘어_ac" panose="020B0600000101010101" pitchFamily="50" charset="-127"/>
+                <a:ea typeface="나눔스퀘어_ac" panose="020B0600000101010101" pitchFamily="50" charset="-127"/>
+              </a:rPr>
+              <a:t>설명</a:t>
+            </a:r>
+            <a:r>
+              <a:rPr lang="en-US" altLang="ko-KR" sz="1050" dirty="0">
+                <a:latin typeface="나눔스퀘어_ac" panose="020B0600000101010101" pitchFamily="50" charset="-127"/>
+                <a:ea typeface="나눔스퀘어_ac" panose="020B0600000101010101" pitchFamily="50" charset="-127"/>
+              </a:rPr>
+              <a:t>)</a:t>
+            </a:r>
+            <a:endParaRPr lang="ko-KR" altLang="en-US" sz="1050" dirty="0"/>
+          </a:p>
+        </p:txBody>
+      </p:sp>
+      <p:sp>
+        <p:nvSpPr>
+          <p:cNvPr id="27" name="직사각형 26">
+            <a:extLst>
+              <a:ext uri="{FF2B5EF4-FFF2-40B4-BE49-F238E27FC236}">
+                <a16:creationId xmlns:a16="http://schemas.microsoft.com/office/drawing/2014/main" id="{D8146743-69D0-4E98-BC5C-77AB15381248}"/>
+              </a:ext>
+            </a:extLst>
+          </p:cNvPr>
+          <p:cNvSpPr/>
+          <p:nvPr/>
+        </p:nvSpPr>
+        <p:spPr>
+          <a:xfrm>
+            <a:off x="6284258" y="1790424"/>
+            <a:ext cx="2517036" cy="369332"/>
+          </a:xfrm>
+          <a:prstGeom prst="rect">
+            <a:avLst/>
+          </a:prstGeom>
+        </p:spPr>
+        <p:txBody>
+          <a:bodyPr wrap="none">
+            <a:spAutoFit/>
+          </a:bodyPr>
+          <a:lstStyle/>
+          <a:p>
+            <a:r>
+              <a:rPr lang="en-US" altLang="ko-KR" dirty="0">
+                <a:latin typeface="나눔스퀘어_ac" panose="020B0600000101010101" pitchFamily="50" charset="-127"/>
+                <a:ea typeface="나눔스퀘어_ac" panose="020B0600000101010101" pitchFamily="50" charset="-127"/>
+              </a:rPr>
+              <a:t>10</a:t>
+            </a:r>
+            <a:r>
+              <a:rPr lang="ko-KR" altLang="en-US" dirty="0">
+                <a:latin typeface="나눔스퀘어_ac" panose="020B0600000101010101" pitchFamily="50" charset="-127"/>
+                <a:ea typeface="나눔스퀘어_ac" panose="020B0600000101010101" pitchFamily="50" charset="-127"/>
+              </a:rPr>
+              <a:t>개의 주성분</a:t>
+            </a:r>
+            <a:r>
+              <a:rPr lang="en-US" altLang="ko-KR" sz="1050" dirty="0">
+                <a:latin typeface="나눔스퀘어_ac" panose="020B0600000101010101" pitchFamily="50" charset="-127"/>
+                <a:ea typeface="나눔스퀘어_ac" panose="020B0600000101010101" pitchFamily="50" charset="-127"/>
+              </a:rPr>
+              <a:t>(</a:t>
+            </a:r>
+            <a:r>
+              <a:rPr lang="ko-KR" altLang="en-US" sz="1050" dirty="0">
+                <a:latin typeface="나눔스퀘어_ac" panose="020B0600000101010101" pitchFamily="50" charset="-127"/>
+                <a:ea typeface="나눔스퀘어_ac" panose="020B0600000101010101" pitchFamily="50" charset="-127"/>
+              </a:rPr>
+              <a:t>전체의 </a:t>
+            </a:r>
+            <a:r>
+              <a:rPr lang="en-US" altLang="ko-KR" sz="1050" dirty="0">
+                <a:latin typeface="나눔스퀘어_ac" panose="020B0600000101010101" pitchFamily="50" charset="-127"/>
+                <a:ea typeface="나눔스퀘어_ac" panose="020B0600000101010101" pitchFamily="50" charset="-127"/>
+              </a:rPr>
+              <a:t>40% </a:t>
+            </a:r>
+            <a:r>
+              <a:rPr lang="ko-KR" altLang="en-US" sz="1050" dirty="0">
+                <a:latin typeface="나눔스퀘어_ac" panose="020B0600000101010101" pitchFamily="50" charset="-127"/>
+                <a:ea typeface="나눔스퀘어_ac" panose="020B0600000101010101" pitchFamily="50" charset="-127"/>
+              </a:rPr>
+              <a:t>설명</a:t>
+            </a:r>
+            <a:r>
+              <a:rPr lang="en-US" altLang="ko-KR" sz="1050" dirty="0">
+                <a:latin typeface="나눔스퀘어_ac" panose="020B0600000101010101" pitchFamily="50" charset="-127"/>
+                <a:ea typeface="나눔스퀘어_ac" panose="020B0600000101010101" pitchFamily="50" charset="-127"/>
+              </a:rPr>
+              <a:t>)</a:t>
+            </a:r>
+            <a:endParaRPr lang="ko-KR" altLang="en-US" sz="1050" dirty="0"/>
+          </a:p>
+        </p:txBody>
+      </p:sp>
+      <p:pic>
+        <p:nvPicPr>
+          <p:cNvPr id="4" name="그림 3">
+            <a:extLst>
+              <a:ext uri="{FF2B5EF4-FFF2-40B4-BE49-F238E27FC236}">
+                <a16:creationId xmlns:a16="http://schemas.microsoft.com/office/drawing/2014/main" id="{7A7E01A9-9BF6-42C9-A3C0-2F9EC4422423}"/>
+              </a:ext>
+            </a:extLst>
+          </p:cNvPr>
+          <p:cNvPicPr>
+            <a:picLocks noChangeAspect="1"/>
+          </p:cNvPicPr>
+          <p:nvPr/>
+        </p:nvPicPr>
+        <p:blipFill>
+          <a:blip r:embed="rId3"/>
+          <a:stretch>
+            <a:fillRect/>
+          </a:stretch>
+        </p:blipFill>
+        <p:spPr>
+          <a:xfrm>
+            <a:off x="6367115" y="2545977"/>
+            <a:ext cx="4716197" cy="3024376"/>
+          </a:xfrm>
+          <a:prstGeom prst="rect">
+            <a:avLst/>
+          </a:prstGeom>
+        </p:spPr>
+      </p:pic>
+    </p:spTree>
+    <p:extLst>
+      <p:ext uri="{BB962C8B-B14F-4D97-AF65-F5344CB8AC3E}">
+        <p14:creationId xmlns:p14="http://schemas.microsoft.com/office/powerpoint/2010/main" val="2569603209"/>
+      </p:ext>
+    </p:extLst>
+  </p:cSld>
+  <p:clrMapOvr>
+    <a:masterClrMapping/>
+  </p:clrMapOvr>
+</p:sld>
+</file>
+
+<file path=ppt/slides/slide17.xml><?xml version="1.0" encoding="utf-8"?>
+<p:sld xmlns:a="http://schemas.openxmlformats.org/drawingml/2006/main" xmlns:r="http://schemas.openxmlformats.org/officeDocument/2006/relationships" xmlns:p="http://schemas.openxmlformats.org/presentationml/2006/main">
+  <p:cSld>
     <p:bg>
       <p:bgPr>
         <a:solidFill>
